--- a/Progetto Principi percezione.pptx
+++ b/Progetto Principi percezione.pptx
@@ -4966,7 +4966,7 @@
         </p:nvSpPr>
         <p:spPr>
           <a:xfrm>
-            <a:off x="381300" y="685800"/>
+            <a:off x="381000" y="685800"/>
             <a:ext cx="6096000" cy="3429000"/>
           </a:xfrm>
           <a:custGeom>
@@ -6734,7 +6734,7 @@
         </p:nvSpPr>
         <p:spPr>
           <a:xfrm>
-            <a:off x="381300" y="685800"/>
+            <a:off x="381000" y="685800"/>
             <a:ext cx="6096000" cy="3429000"/>
           </a:xfrm>
           <a:custGeom>
@@ -17490,7 +17490,7 @@
               <a:buNone/>
             </a:pPr>
             <a:r>
-              <a:rPr lang="it" sz="2000">
+              <a:rPr lang="it" sz="2000" dirty="0">
                 <a:solidFill>
                   <a:schemeClr val="dk1"/>
                 </a:solidFill>
@@ -17500,7 +17500,7 @@
               </a:rPr>
               <a:t>3) Costruiti gli alberi di decisione, l’algoritmo Random Forest utilizza le previsioni di ogni albero per fare una previsione finale per ogni osservazione. Per prevedere gli alberi, si possono usare:</a:t>
             </a:r>
-            <a:endParaRPr sz="2000">
+            <a:endParaRPr sz="2000" dirty="0">
               <a:solidFill>
                 <a:schemeClr val="dk1"/>
               </a:solidFill>
@@ -17524,7 +17524,7 @@
               <a:buChar char="●"/>
             </a:pPr>
             <a:r>
-              <a:rPr lang="it" sz="2000">
+              <a:rPr lang="it" sz="2000" dirty="0">
                 <a:solidFill>
                   <a:schemeClr val="dk1"/>
                 </a:solidFill>
@@ -17534,7 +17534,7 @@
               </a:rPr>
               <a:t>Media</a:t>
             </a:r>
-            <a:endParaRPr sz="2000">
+            <a:endParaRPr sz="2000" dirty="0">
               <a:solidFill>
                 <a:schemeClr val="dk1"/>
               </a:solidFill>
@@ -17553,7 +17553,7 @@
               </a:spcAft>
               <a:buNone/>
             </a:pPr>
-            <a:endParaRPr sz="2000">
+            <a:endParaRPr sz="2000" dirty="0">
               <a:solidFill>
                 <a:schemeClr val="dk1"/>
               </a:solidFill>
@@ -17577,7 +17577,7 @@
               <a:buChar char="●"/>
             </a:pPr>
             <a:r>
-              <a:rPr lang="it" sz="2000">
+              <a:rPr lang="it" sz="2000" dirty="0">
                 <a:solidFill>
                   <a:schemeClr val="dk1"/>
                 </a:solidFill>
@@ -17587,7 +17587,7 @@
               </a:rPr>
               <a:t>Moda</a:t>
             </a:r>
-            <a:endParaRPr sz="2000">
+            <a:endParaRPr sz="2000" dirty="0">
               <a:solidFill>
                 <a:schemeClr val="dk1"/>
               </a:solidFill>
@@ -17611,7 +17611,7 @@
               <a:buFont typeface="Arial"/>
               <a:buNone/>
             </a:pPr>
-            <a:endParaRPr sz="2000"/>
+            <a:endParaRPr sz="2000" dirty="0"/>
           </a:p>
         </p:txBody>
       </p:sp>
@@ -18331,10 +18331,10 @@
               <a:buNone/>
             </a:pPr>
             <a:r>
-              <a:rPr lang="it" sz="3020" b="1"/>
-              <a:t>Fasi/Passaggi/Step</a:t>
-            </a:r>
-            <a:endParaRPr sz="3020" b="1"/>
+              <a:rPr lang="it" sz="3020" b="1" dirty="0"/>
+              <a:t>Fasi</a:t>
+            </a:r>
+            <a:endParaRPr sz="3020" b="1" dirty="0"/>
           </a:p>
         </p:txBody>
       </p:sp>
@@ -18378,14 +18378,14 @@
               <a:buNone/>
             </a:pPr>
             <a:r>
-              <a:rPr lang="it" sz="2000">
+              <a:rPr lang="it" sz="2000" dirty="0">
                 <a:solidFill>
                   <a:schemeClr val="dk1"/>
                 </a:solidFill>
               </a:rPr>
               <a:t>1) Import di librerie e lettura del dataset</a:t>
             </a:r>
-            <a:endParaRPr sz="2000">
+            <a:endParaRPr sz="2000" dirty="0">
               <a:solidFill>
                 <a:schemeClr val="dk1"/>
               </a:solidFill>
@@ -18407,14 +18407,14 @@
               <a:buNone/>
             </a:pPr>
             <a:r>
-              <a:rPr lang="it" sz="2000">
+              <a:rPr lang="it" sz="2000" dirty="0">
                 <a:solidFill>
                   <a:schemeClr val="dk1"/>
                 </a:solidFill>
               </a:rPr>
               <a:t>2) Capire il dataset</a:t>
             </a:r>
-            <a:endParaRPr sz="2000">
+            <a:endParaRPr sz="2000" dirty="0">
               <a:solidFill>
                 <a:schemeClr val="dk1"/>
               </a:solidFill>
@@ -18436,14 +18436,14 @@
               <a:buNone/>
             </a:pPr>
             <a:r>
-              <a:rPr lang="it" sz="2000">
+              <a:rPr lang="it" sz="2000" dirty="0">
                 <a:solidFill>
                   <a:schemeClr val="dk1"/>
                 </a:solidFill>
               </a:rPr>
               <a:t>3) Pre-elaborazione del testo</a:t>
             </a:r>
-            <a:endParaRPr sz="2000">
+            <a:endParaRPr sz="2000" dirty="0">
               <a:solidFill>
                 <a:schemeClr val="dk1"/>
               </a:solidFill>
@@ -18465,14 +18465,14 @@
               <a:buNone/>
             </a:pPr>
             <a:r>
-              <a:rPr lang="it" sz="2000">
+              <a:rPr lang="it" sz="2000" dirty="0">
                 <a:solidFill>
                   <a:schemeClr val="dk1"/>
                 </a:solidFill>
               </a:rPr>
               <a:t>4) Costruzione e allenamento del modello</a:t>
             </a:r>
-            <a:endParaRPr sz="2000">
+            <a:endParaRPr sz="2000" dirty="0">
               <a:solidFill>
                 <a:schemeClr val="dk1"/>
               </a:solidFill>
@@ -18494,14 +18494,14 @@
               <a:buNone/>
             </a:pPr>
             <a:r>
-              <a:rPr lang="it" sz="2000">
+              <a:rPr lang="it" sz="2000" dirty="0">
                 <a:solidFill>
                   <a:schemeClr val="dk1"/>
                 </a:solidFill>
               </a:rPr>
               <a:t>5) Valutazione del modello</a:t>
             </a:r>
-            <a:endParaRPr sz="2000">
+            <a:endParaRPr sz="2000" dirty="0">
               <a:solidFill>
                 <a:schemeClr val="dk1"/>
               </a:solidFill>
@@ -18523,14 +18523,14 @@
               <a:buNone/>
             </a:pPr>
             <a:r>
-              <a:rPr lang="it" sz="2000">
+              <a:rPr lang="it" sz="2000" dirty="0">
                 <a:solidFill>
                   <a:schemeClr val="dk1"/>
                 </a:solidFill>
               </a:rPr>
               <a:t>6) Predizione del modello</a:t>
             </a:r>
-            <a:endParaRPr sz="2000">
+            <a:endParaRPr sz="2000" dirty="0">
               <a:solidFill>
                 <a:schemeClr val="dk1"/>
               </a:solidFill>
@@ -18546,7 +18546,7 @@
               </a:spcAft>
               <a:buNone/>
             </a:pPr>
-            <a:endParaRPr/>
+            <a:endParaRPr dirty="0"/>
           </a:p>
         </p:txBody>
       </p:sp>
@@ -27678,10 +27678,10 @@
               <a:buNone/>
             </a:pPr>
             <a:r>
-              <a:rPr lang="it"/>
+              <a:rPr lang="it" dirty="0"/>
               <a:t>Grazie per l’attenzione</a:t>
             </a:r>
-            <a:endParaRPr/>
+            <a:endParaRPr dirty="0"/>
           </a:p>
         </p:txBody>
       </p:sp>
@@ -27706,7 +27706,7 @@
         </p:spPr>
         <p:txBody>
           <a:bodyPr spcFirstLastPara="1" wrap="square" lIns="91425" tIns="91425" rIns="91425" bIns="91425" anchor="t" anchorCtr="0">
-            <a:normAutofit fontScale="85000"/>
+            <a:normAutofit/>
           </a:bodyPr>
           <a:lstStyle/>
           <a:p>
@@ -27720,14 +27720,14 @@
               <a:buNone/>
             </a:pPr>
             <a:r>
-              <a:rPr lang="it">
+              <a:rPr lang="it" sz="2400" dirty="0">
                 <a:solidFill>
                   <a:schemeClr val="dk1"/>
                 </a:solidFill>
               </a:rPr>
-              <a:t>Taha Khalil Dhouibi, 975788			Andrea Spinelli, 957035</a:t>
-            </a:r>
-            <a:endParaRPr>
+              <a:t>Taha Khalil Dhouibi, 975788	Andrea Spinelli, 957035</a:t>
+            </a:r>
+            <a:endParaRPr sz="2400" dirty="0">
               <a:solidFill>
                 <a:schemeClr val="dk1"/>
               </a:solidFill>

--- a/Progetto Principi percezione.pptx
+++ b/Progetto Principi percezione.pptx
@@ -3718,7 +3718,7 @@
         </p:nvSpPr>
         <p:spPr>
           <a:xfrm>
-            <a:off x="381300" y="685800"/>
+            <a:off x="381000" y="685800"/>
             <a:ext cx="6096000" cy="3429000"/>
           </a:xfrm>
           <a:custGeom>
@@ -3822,7 +3822,7 @@
         </p:nvSpPr>
         <p:spPr>
           <a:xfrm>
-            <a:off x="381300" y="685800"/>
+            <a:off x="381000" y="685800"/>
             <a:ext cx="6096000" cy="3429000"/>
           </a:xfrm>
           <a:custGeom>
@@ -4758,7 +4758,7 @@
         </p:nvSpPr>
         <p:spPr>
           <a:xfrm>
-            <a:off x="381300" y="685800"/>
+            <a:off x="381000" y="685800"/>
             <a:ext cx="6096000" cy="3429000"/>
           </a:xfrm>
           <a:custGeom>
@@ -13897,7 +13897,7 @@
               <a:buNone/>
             </a:pPr>
             <a:r>
-              <a:rPr lang="it" sz="2000">
+              <a:rPr lang="it" sz="2000" dirty="0">
                 <a:solidFill>
                   <a:srgbClr val="202122"/>
                 </a:solidFill>
@@ -13908,7 +13908,7 @@
               <a:t>Tali algoritmi provano a raggruppare i dati input e a individuare dei </a:t>
             </a:r>
             <a:r>
-              <a:rPr lang="it" sz="2000" b="1">
+              <a:rPr lang="it" sz="2000" b="1" dirty="0">
                 <a:solidFill>
                   <a:srgbClr val="202122"/>
                 </a:solidFill>
@@ -13919,7 +13919,7 @@
               <a:t>cluster </a:t>
             </a:r>
             <a:r>
-              <a:rPr lang="it" sz="2000">
+              <a:rPr lang="it" sz="2000" dirty="0">
                 <a:solidFill>
                   <a:srgbClr val="202122"/>
                 </a:solidFill>
@@ -13929,7 +13929,7 @@
               </a:rPr>
               <a:t>rappresentativi dei dati stessi, facendo uso tipicamente di metodi probabilistici. </a:t>
             </a:r>
-            <a:endParaRPr sz="2000">
+            <a:endParaRPr sz="2000" dirty="0">
               <a:solidFill>
                 <a:srgbClr val="202122"/>
               </a:solidFill>
@@ -13953,7 +13953,7 @@
               <a:buFont typeface="Arial"/>
               <a:buNone/>
             </a:pPr>
-            <a:endParaRPr sz="2000">
+            <a:endParaRPr sz="2000" dirty="0">
               <a:solidFill>
                 <a:srgbClr val="202122"/>
               </a:solidFill>
@@ -13978,7 +13978,7 @@
               <a:buNone/>
             </a:pPr>
             <a:r>
-              <a:rPr lang="it" sz="2000">
+              <a:rPr lang="it" sz="2000" dirty="0">
                 <a:solidFill>
                   <a:srgbClr val="202122"/>
                 </a:solidFill>
@@ -13989,7 +13989,7 @@
               <a:t>L'apprendimento non supervisionato è anche impiegato per sviluppare </a:t>
             </a:r>
             <a:r>
-              <a:rPr lang="it" sz="2000" b="1">
+              <a:rPr lang="it" sz="2000" b="1" dirty="0">
                 <a:solidFill>
                   <a:srgbClr val="202122"/>
                 </a:solidFill>
@@ -13999,7 +13999,7 @@
               </a:rPr>
               <a:t>tecniche di compressione dei dati.</a:t>
             </a:r>
-            <a:endParaRPr sz="2000"/>
+            <a:endParaRPr sz="2000" dirty="0"/>
           </a:p>
         </p:txBody>
       </p:sp>
@@ -14513,7 +14513,7 @@
               <a:buNone/>
             </a:pPr>
             <a:r>
-              <a:rPr lang="it" sz="2000">
+              <a:rPr lang="it" sz="2000" dirty="0">
                 <a:solidFill>
                   <a:srgbClr val="202122"/>
                 </a:solidFill>
@@ -14523,7 +14523,7 @@
               </a:rPr>
               <a:t>Ogni azione ha un impatto sull'ambiente, e l'ambiente produce una retroazione che guida l'algoritmo stesso nel processo di apprendimento. </a:t>
             </a:r>
-            <a:endParaRPr sz="2000">
+            <a:endParaRPr sz="2000" dirty="0">
               <a:solidFill>
                 <a:srgbClr val="202122"/>
               </a:solidFill>
@@ -14547,7 +14547,7 @@
               <a:buFont typeface="Arial"/>
               <a:buNone/>
             </a:pPr>
-            <a:endParaRPr sz="2000">
+            <a:endParaRPr sz="2000" dirty="0">
               <a:solidFill>
                 <a:srgbClr val="202122"/>
               </a:solidFill>
@@ -14572,7 +14572,7 @@
               <a:buNone/>
             </a:pPr>
             <a:r>
-              <a:rPr lang="it" sz="2000">
+              <a:rPr lang="it" sz="2000" dirty="0">
                 <a:solidFill>
                   <a:srgbClr val="202122"/>
                 </a:solidFill>
@@ -14582,7 +14582,7 @@
               </a:rPr>
               <a:t>Tale classe di problemi postula un agente, dotato di capacità di percezione, che esplora un ambiente nel quale intraprende una serie di azioni. </a:t>
             </a:r>
-            <a:endParaRPr sz="2000"/>
+            <a:endParaRPr sz="2000" dirty="0"/>
           </a:p>
         </p:txBody>
       </p:sp>
@@ -14712,7 +14712,7 @@
               <a:buNone/>
             </a:pPr>
             <a:r>
-              <a:rPr lang="it" sz="2000">
+              <a:rPr lang="it" sz="2000" dirty="0">
                 <a:solidFill>
                   <a:srgbClr val="202122"/>
                 </a:solidFill>
@@ -14723,7 +14723,7 @@
               <a:t>L'ambiente stesso fornisce in risposta un</a:t>
             </a:r>
             <a:r>
-              <a:rPr lang="it" sz="2000" b="1">
+              <a:rPr lang="it" sz="2000" b="1" dirty="0">
                 <a:solidFill>
                   <a:srgbClr val="202122"/>
                 </a:solidFill>
@@ -14734,7 +14734,7 @@
               <a:t> incentivo</a:t>
             </a:r>
             <a:r>
-              <a:rPr lang="it" sz="2000">
+              <a:rPr lang="it" sz="2000" dirty="0">
                 <a:solidFill>
                   <a:srgbClr val="202122"/>
                 </a:solidFill>
@@ -14745,7 +14745,7 @@
               <a:t> o un </a:t>
             </a:r>
             <a:r>
-              <a:rPr lang="it" sz="2000" b="1">
+              <a:rPr lang="it" sz="2000" b="1" dirty="0">
                 <a:solidFill>
                   <a:srgbClr val="202122"/>
                 </a:solidFill>
@@ -14756,7 +14756,7 @@
               <a:t>disincentivo</a:t>
             </a:r>
             <a:r>
-              <a:rPr lang="it" sz="2000">
+              <a:rPr lang="it" sz="2000" dirty="0">
                 <a:solidFill>
                   <a:srgbClr val="202122"/>
                 </a:solidFill>
@@ -14766,7 +14766,7 @@
               </a:rPr>
               <a:t>, secondo i casi. </a:t>
             </a:r>
-            <a:endParaRPr sz="2000">
+            <a:endParaRPr sz="2000" dirty="0">
               <a:solidFill>
                 <a:srgbClr val="202122"/>
               </a:solidFill>
@@ -14790,7 +14790,7 @@
               <a:buFont typeface="Arial"/>
               <a:buNone/>
             </a:pPr>
-            <a:endParaRPr sz="2000">
+            <a:endParaRPr sz="2000" dirty="0">
               <a:solidFill>
                 <a:srgbClr val="202122"/>
               </a:solidFill>
@@ -14815,7 +14815,7 @@
               <a:buNone/>
             </a:pPr>
             <a:r>
-              <a:rPr lang="it" sz="2000">
+              <a:rPr lang="it" sz="2000" dirty="0">
                 <a:solidFill>
                   <a:srgbClr val="202122"/>
                 </a:solidFill>
@@ -14825,7 +14825,7 @@
               </a:rPr>
               <a:t>Gli algoritmi per il reinforcement learning provano a determinare una politica tesa a massimizzare gli incentivi cumulati ricevuti dall'agente nel corso della sua esplorazione del problema. </a:t>
             </a:r>
-            <a:endParaRPr sz="2000">
+            <a:endParaRPr sz="2000" dirty="0">
               <a:solidFill>
                 <a:srgbClr val="202122"/>
               </a:solidFill>
@@ -14849,7 +14849,7 @@
               <a:buFont typeface="Arial"/>
               <a:buNone/>
             </a:pPr>
-            <a:endParaRPr sz="2000">
+            <a:endParaRPr sz="2000" dirty="0">
               <a:solidFill>
                 <a:srgbClr val="202122"/>
               </a:solidFill>
@@ -14868,7 +14868,7 @@
               </a:spcAft>
               <a:buNone/>
             </a:pPr>
-            <a:endParaRPr/>
+            <a:endParaRPr dirty="0"/>
           </a:p>
         </p:txBody>
       </p:sp>
@@ -15899,10 +15899,10 @@
               <a:buNone/>
             </a:pPr>
             <a:r>
-              <a:rPr lang="it" sz="3000" b="1"/>
+              <a:rPr lang="it" sz="3000" b="1" dirty="0"/>
               <a:t>Algoritmo Naive Bayes </a:t>
             </a:r>
-            <a:endParaRPr sz="3000"/>
+            <a:endParaRPr sz="3000" dirty="0"/>
           </a:p>
         </p:txBody>
       </p:sp>
@@ -16479,34 +16479,13 @@
               <a:buAutoNum type="arabicParenR"/>
             </a:pPr>
             <a:r>
-              <a:rPr lang="it" sz="2000">
+              <a:rPr lang="it" sz="2000" dirty="0">
                 <a:solidFill>
                   <a:schemeClr val="dk1"/>
                 </a:solidFill>
               </a:rPr>
               <a:t>Semplicità d'utilizzo. </a:t>
             </a:r>
-            <a:endParaRPr sz="2000">
-              <a:solidFill>
-                <a:schemeClr val="dk1"/>
-              </a:solidFill>
-            </a:endParaRPr>
-          </a:p>
-          <a:p>
-            <a:pPr marL="457200" lvl="0" indent="0" algn="l" rtl="0">
-              <a:spcBef>
-                <a:spcPts val="0"/>
-              </a:spcBef>
-              <a:spcAft>
-                <a:spcPts val="0"/>
-              </a:spcAft>
-              <a:buNone/>
-            </a:pPr>
-            <a:endParaRPr sz="2000">
-              <a:solidFill>
-                <a:schemeClr val="dk1"/>
-              </a:solidFill>
-            </a:endParaRPr>
           </a:p>
           <a:p>
             <a:pPr marL="457200" lvl="0" indent="-355600" algn="l" rtl="0">
@@ -16522,21 +16501,41 @@
               <a:buSzPts val="2000"/>
               <a:buAutoNum type="arabicParenR"/>
             </a:pPr>
-            <a:r>
-              <a:rPr lang="it" sz="2000">
-                <a:solidFill>
-                  <a:schemeClr val="dk1"/>
-                </a:solidFill>
-              </a:rPr>
-              <a:t>Algoritmo limitato a pochi casi specifici.</a:t>
-            </a:r>
-            <a:endParaRPr sz="2000">
+            <a:endParaRPr lang="it" sz="2000" dirty="0">
               <a:solidFill>
                 <a:schemeClr val="dk1"/>
               </a:solidFill>
             </a:endParaRPr>
           </a:p>
           <a:p>
+            <a:pPr marL="457200" lvl="0" indent="-355600" algn="l" rtl="0">
+              <a:spcBef>
+                <a:spcPts val="0"/>
+              </a:spcBef>
+              <a:spcAft>
+                <a:spcPts val="0"/>
+              </a:spcAft>
+              <a:buClr>
+                <a:schemeClr val="dk1"/>
+              </a:buClr>
+              <a:buSzPts val="2000"/>
+              <a:buAutoNum type="arabicParenR"/>
+            </a:pPr>
+            <a:r>
+              <a:rPr lang="it" sz="2000" dirty="0">
+                <a:solidFill>
+                  <a:schemeClr val="dk1"/>
+                </a:solidFill>
+              </a:rPr>
+              <a:t>Algoritmo limitato a pochi casi specifici.</a:t>
+            </a:r>
+            <a:endParaRPr sz="2000" dirty="0">
+              <a:solidFill>
+                <a:schemeClr val="dk1"/>
+              </a:solidFill>
+            </a:endParaRPr>
+          </a:p>
+          <a:p>
             <a:pPr marL="0" lvl="0" indent="0" algn="l" rtl="0">
               <a:spcBef>
                 <a:spcPts val="0"/>
@@ -16546,7 +16545,7 @@
               </a:spcAft>
               <a:buNone/>
             </a:pPr>
-            <a:endParaRPr/>
+            <a:endParaRPr dirty="0"/>
           </a:p>
         </p:txBody>
       </p:sp>
@@ -16657,34 +16656,13 @@
               <a:buAutoNum type="arabicParenR"/>
             </a:pPr>
             <a:r>
-              <a:rPr lang="it" sz="2000">
+              <a:rPr lang="it" sz="2000" dirty="0">
                 <a:solidFill>
                   <a:schemeClr val="dk1"/>
                 </a:solidFill>
               </a:rPr>
               <a:t>L'algoritmo richiede la conoscenza di tutti i dati del problema, in particolar modo delle probabilità semplici e condizionate. </a:t>
             </a:r>
-            <a:endParaRPr sz="2000">
-              <a:solidFill>
-                <a:schemeClr val="dk1"/>
-              </a:solidFill>
-            </a:endParaRPr>
-          </a:p>
-          <a:p>
-            <a:pPr marL="457200" lvl="0" indent="0" algn="l" rtl="0">
-              <a:spcBef>
-                <a:spcPts val="0"/>
-              </a:spcBef>
-              <a:spcAft>
-                <a:spcPts val="0"/>
-              </a:spcAft>
-              <a:buNone/>
-            </a:pPr>
-            <a:endParaRPr sz="2000">
-              <a:solidFill>
-                <a:schemeClr val="dk1"/>
-              </a:solidFill>
-            </a:endParaRPr>
           </a:p>
           <a:p>
             <a:pPr marL="457200" lvl="0" indent="-355600" algn="l" rtl="0">
@@ -16700,15 +16678,35 @@
               <a:buSzPts val="2000"/>
               <a:buAutoNum type="arabicParenR"/>
             </a:pPr>
-            <a:r>
-              <a:rPr lang="it" sz="2000">
+            <a:endParaRPr lang="it" sz="2000" dirty="0">
+              <a:solidFill>
+                <a:schemeClr val="dk1"/>
+              </a:solidFill>
+            </a:endParaRPr>
+          </a:p>
+          <a:p>
+            <a:pPr marL="457200" lvl="0" indent="-355600" algn="l" rtl="0">
+              <a:spcBef>
+                <a:spcPts val="0"/>
+              </a:spcBef>
+              <a:spcAft>
+                <a:spcPts val="0"/>
+              </a:spcAft>
+              <a:buClr>
+                <a:schemeClr val="dk1"/>
+              </a:buClr>
+              <a:buSzPts val="2000"/>
+              <a:buAutoNum type="arabicParenR"/>
+            </a:pPr>
+            <a:r>
+              <a:rPr lang="it" sz="2000" dirty="0">
                 <a:solidFill>
                   <a:schemeClr val="dk1"/>
                 </a:solidFill>
               </a:rPr>
               <a:t>L'algoritmo fornisce un'approssimazione "ingenua" (naive) del problema perché non considera la correlazione tra le caratteristiche dell'istanza.</a:t>
             </a:r>
-            <a:endParaRPr sz="2000">
+            <a:endParaRPr sz="2000" dirty="0">
               <a:solidFill>
                 <a:schemeClr val="dk1"/>
               </a:solidFill>
@@ -16729,7 +16727,7 @@
               <a:buFont typeface="Arial"/>
               <a:buNone/>
             </a:pPr>
-            <a:endParaRPr sz="2000">
+            <a:endParaRPr sz="2000" dirty="0">
               <a:solidFill>
                 <a:schemeClr val="dk1"/>
               </a:solidFill>
@@ -16745,7 +16743,7 @@
               </a:spcAft>
               <a:buNone/>
             </a:pPr>
-            <a:endParaRPr/>
+            <a:endParaRPr dirty="0"/>
           </a:p>
         </p:txBody>
       </p:sp>
@@ -18111,14 +18109,14 @@
               <a:buNone/>
             </a:pPr>
             <a:r>
-              <a:rPr lang="it" sz="2000">
+              <a:rPr lang="it" sz="2000" dirty="0">
                 <a:solidFill>
                   <a:schemeClr val="dk1"/>
                 </a:solidFill>
               </a:rPr>
               <a:t>1) Richiede molti parametri</a:t>
             </a:r>
-            <a:endParaRPr sz="2000">
+            <a:endParaRPr sz="2000" dirty="0">
               <a:solidFill>
                 <a:schemeClr val="dk1"/>
               </a:solidFill>
@@ -18135,14 +18133,14 @@
               <a:buNone/>
             </a:pPr>
             <a:r>
-              <a:rPr lang="it" sz="2000">
+              <a:rPr lang="it" sz="2000" dirty="0">
                 <a:solidFill>
                   <a:schemeClr val="dk1"/>
                 </a:solidFill>
               </a:rPr>
               <a:t>2) Potrebbe non essere il modello più preciso</a:t>
             </a:r>
-            <a:endParaRPr sz="2000">
+            <a:endParaRPr sz="2000" dirty="0">
               <a:solidFill>
                 <a:schemeClr val="dk1"/>
               </a:solidFill>
@@ -18159,14 +18157,14 @@
               <a:buNone/>
             </a:pPr>
             <a:r>
-              <a:rPr lang="it" sz="2000">
+              <a:rPr lang="it" sz="2000" dirty="0">
                 <a:solidFill>
                   <a:schemeClr val="dk1"/>
                 </a:solidFill>
               </a:rPr>
               <a:t>3) Potrebbe essere lento in fase di addestramento</a:t>
             </a:r>
-            <a:endParaRPr sz="2000">
+            <a:endParaRPr sz="2000" dirty="0">
               <a:solidFill>
                 <a:schemeClr val="dk1"/>
               </a:solidFill>
@@ -18183,14 +18181,14 @@
               <a:buNone/>
             </a:pPr>
             <a:r>
-              <a:rPr lang="it" sz="2000">
+              <a:rPr lang="it" sz="2000" dirty="0">
                 <a:solidFill>
                   <a:schemeClr val="dk1"/>
                 </a:solidFill>
               </a:rPr>
               <a:t>4) Potrebbe essere difficile da interpretare</a:t>
             </a:r>
-            <a:endParaRPr sz="2000">
+            <a:endParaRPr sz="2000" dirty="0">
               <a:solidFill>
                 <a:schemeClr val="dk1"/>
               </a:solidFill>
